--- a/AKSZerotoHero.pptx
+++ b/AKSZerotoHero.pptx
@@ -20,7 +20,7 @@
     <p:sldId id="263" r:id="rId11"/>
     <p:sldId id="264" r:id="rId12"/>
     <p:sldId id="266" r:id="rId13"/>
-    <p:sldId id="267" r:id="rId14"/>
+    <p:sldId id="292" r:id="rId14"/>
   </p:sldIdLst>
   <p:sldSz cx="12192000" cy="6858000"/>
   <p:notesSz cx="6858000" cy="9144000"/>
@@ -35941,54 +35941,76 @@
           <a:lstStyle/>
           <a:p>
             <a:r>
-              <a:rPr lang="en-IN" sz="1700"/>
-              <a:t>Application run in AKS need to store and retriever data.</a:t>
+              <a:rPr lang="en-IN" sz="1700" dirty="0"/>
+              <a:t>Data stored in a pod is volatile.</a:t>
             </a:r>
           </a:p>
           <a:p>
             <a:r>
-              <a:rPr lang="en-IN" sz="1700"/>
+              <a:rPr lang="en-IN" sz="1700" dirty="0"/>
               <a:t>Multiple pods share same data volume.</a:t>
             </a:r>
           </a:p>
           <a:p>
             <a:r>
-              <a:rPr lang="en-US" sz="1700"/>
+              <a:rPr lang="en-US" sz="1700" dirty="0"/>
               <a:t>Storage Class — allows for dynamic provisioning of Persistent Volumes</a:t>
             </a:r>
           </a:p>
           <a:p>
             <a:r>
-              <a:rPr lang="en-US" sz="1700"/>
-              <a:t>Persistent Volume — low level representation of a storage volume.</a:t>
+              <a:rPr lang="en-US" sz="1700" dirty="0"/>
+              <a:t>Persistent Volume — representation of a storage volume ( Default namespace)</a:t>
             </a:r>
           </a:p>
           <a:p>
             <a:r>
-              <a:rPr lang="en-US" sz="1700"/>
-              <a:t>Persistent Volume Claim — binding between a Pod and Persistent Volume.</a:t>
+              <a:rPr lang="en-US" sz="1700" dirty="0"/>
+              <a:t>Persistent Volume Claim – Claims a PV with Satisfying condition ( Individual namespace)</a:t>
             </a:r>
           </a:p>
           <a:p>
             <a:r>
-              <a:rPr lang="en-US" sz="1700"/>
-              <a:t>First the StorageClass is created, then the PersistentVolumeClaim and finally the PVC link to Pod</a:t>
+              <a:rPr lang="en-US" sz="1700" dirty="0"/>
+              <a:t>Abstraction is for ease of use.</a:t>
             </a:r>
           </a:p>
           <a:p>
-            <a:endParaRPr lang="en-US" sz="1700"/>
+            <a:r>
+              <a:rPr lang="en-US" sz="1700" dirty="0"/>
+              <a:t>First the </a:t>
+            </a:r>
+            <a:r>
+              <a:rPr lang="en-US" sz="1700" dirty="0" err="1"/>
+              <a:t>StorageClass</a:t>
+            </a:r>
+            <a:r>
+              <a:rPr lang="en-US" sz="1700" dirty="0"/>
+              <a:t> is created, then the </a:t>
+            </a:r>
+            <a:r>
+              <a:rPr lang="en-US" sz="1700" dirty="0" err="1"/>
+              <a:t>PersistentVolume</a:t>
+            </a:r>
+            <a:r>
+              <a:rPr lang="en-US" sz="1700" dirty="0"/>
+              <a:t> and finally the PVC link to Pod</a:t>
+            </a:r>
           </a:p>
           <a:p>
-            <a:endParaRPr lang="en-US" sz="1700"/>
+            <a:endParaRPr lang="en-US" sz="1700" dirty="0"/>
           </a:p>
           <a:p>
-            <a:endParaRPr lang="en-US" sz="1700"/>
+            <a:endParaRPr lang="en-US" sz="1700" dirty="0"/>
           </a:p>
           <a:p>
-            <a:endParaRPr lang="en-IN" sz="1700"/>
+            <a:endParaRPr lang="en-US" sz="1700" dirty="0"/>
           </a:p>
           <a:p>
-            <a:endParaRPr lang="en-IN" sz="1700"/>
+            <a:endParaRPr lang="en-IN" sz="1700" dirty="0"/>
+          </a:p>
+          <a:p>
+            <a:endParaRPr lang="en-IN" sz="1700" dirty="0"/>
           </a:p>
         </p:txBody>
       </p:sp>
@@ -36460,12 +36482,12 @@
           <a:lstStyle/>
           <a:p>
             <a:r>
-              <a:rPr lang="en-IN" sz="4800">
+              <a:rPr lang="en-IN" sz="4800" dirty="0">
                 <a:solidFill>
                   <a:schemeClr val="bg1"/>
                 </a:solidFill>
               </a:rPr>
-              <a:t>Azure Security</a:t>
+              <a:t>AKS Security</a:t>
             </a:r>
           </a:p>
         </p:txBody>
@@ -36730,7 +36752,7 @@
         </p:nvSpPr>
         <p:spPr>
           <a:xfrm>
-            <a:off x="4038600" y="4884873"/>
+            <a:off x="4132220" y="4230472"/>
             <a:ext cx="7188199" cy="1292090"/>
           </a:xfrm>
         </p:spPr>
@@ -36741,19 +36763,19 @@
           <a:lstStyle/>
           <a:p>
             <a:r>
-              <a:rPr lang="en-IN" sz="1800"/>
+              <a:rPr lang="en-IN" sz="1800" dirty="0"/>
               <a:t>AD as integrated identity solution for accessing AKS</a:t>
             </a:r>
           </a:p>
           <a:p>
             <a:r>
-              <a:rPr lang="en-IN" sz="1800"/>
+              <a:rPr lang="en-IN" sz="1800" dirty="0"/>
               <a:t>Use service account, user account and RBAC.</a:t>
             </a:r>
           </a:p>
           <a:p>
             <a:r>
-              <a:rPr lang="en-IN" sz="1800"/>
+              <a:rPr lang="en-IN" sz="1800" dirty="0"/>
               <a:t>Configure cluster roles and Role binding</a:t>
             </a:r>
           </a:p>
@@ -36799,10 +36821,10 @@
       </p:grpSpPr>
       <p:sp useBgFill="1">
         <p:nvSpPr>
-          <p:cNvPr id="20" name="Rectangle 19">
+          <p:cNvPr id="1031" name="Rectangle 1030">
             <a:extLst>
               <a:ext uri="{FF2B5EF4-FFF2-40B4-BE49-F238E27FC236}">
-                <a16:creationId xmlns:a16="http://schemas.microsoft.com/office/drawing/2014/main" id="{BACC6370-2D7E-4714-9D71-7542949D7D5D}"/>
+                <a16:creationId xmlns:a16="http://schemas.microsoft.com/office/drawing/2014/main" id="{0671A8AE-40A1-4631-A6B8-581AFF065482}"/>
               </a:ext>
               <a:ext uri="{C183D7F6-B498-43B3-948B-1728B52AA6E4}">
                 <adec:decorative xmlns:adec="http://schemas.microsoft.com/office/drawing/2017/decorative" val="1"/>
@@ -36828,97 +36850,6 @@
           <a:prstGeom prst="rect">
             <a:avLst/>
           </a:prstGeom>
-          <a:ln w="12700" cap="flat" cmpd="sng" algn="ctr">
-            <a:noFill/>
-            <a:prstDash val="solid"/>
-            <a:miter lim="800000"/>
-          </a:ln>
-          <a:effectLst/>
-          <a:extLst>
-            <a:ext uri="{91240B29-F687-4F45-9708-019B960494DF}">
-              <a14:hiddenLine xmlns:a14="http://schemas.microsoft.com/office/drawing/2010/main" w="12700" cap="flat" cmpd="sng" algn="ctr">
-                <a:solidFill>
-                  <a:schemeClr val="accent1">
-                    <a:shade val="50000"/>
-                  </a:schemeClr>
-                </a:solidFill>
-                <a:prstDash val="solid"/>
-                <a:miter lim="800000"/>
-              </a14:hiddenLine>
-            </a:ext>
-          </a:extLst>
-        </p:spPr>
-        <p:style>
-          <a:lnRef idx="2">
-            <a:schemeClr val="accent1">
-              <a:shade val="50000"/>
-            </a:schemeClr>
-          </a:lnRef>
-          <a:fillRef idx="1">
-            <a:schemeClr val="accent1"/>
-          </a:fillRef>
-          <a:effectRef idx="0">
-            <a:schemeClr val="accent1"/>
-          </a:effectRef>
-          <a:fontRef idx="minor">
-            <a:schemeClr val="lt1"/>
-          </a:fontRef>
-        </p:style>
-        <p:txBody>
-          <a:bodyPr rtlCol="0" anchor="ctr"/>
-          <a:lstStyle/>
-          <a:p>
-            <a:pPr algn="ctr"/>
-            <a:endParaRPr lang="en-US"/>
-          </a:p>
-        </p:txBody>
-      </p:sp>
-      <p:sp>
-        <p:nvSpPr>
-          <p:cNvPr id="22" name="Rectangle 21">
-            <a:extLst>
-              <a:ext uri="{FF2B5EF4-FFF2-40B4-BE49-F238E27FC236}">
-                <a16:creationId xmlns:a16="http://schemas.microsoft.com/office/drawing/2014/main" id="{F68B3F68-107C-434F-AA38-110D5EA91B85}"/>
-              </a:ext>
-              <a:ext uri="{C183D7F6-B498-43B3-948B-1728B52AA6E4}">
-                <adec:decorative xmlns:adec="http://schemas.microsoft.com/office/drawing/2017/decorative" val="1"/>
-              </a:ext>
-            </a:extLst>
-          </p:cNvPr>
-          <p:cNvSpPr>
-            <a:spLocks noGrp="1" noRot="1" noChangeAspect="1" noMove="1" noResize="1" noEditPoints="1" noAdjustHandles="1" noChangeArrowheads="1" noChangeShapeType="1" noTextEdit="1"/>
-          </p:cNvSpPr>
-          <p:nvPr>
-            <p:extLst>
-              <p:ext uri="{386F3935-93C4-4BCD-93E2-E3B085C9AB24}">
-                <p16:designElem xmlns:p16="http://schemas.microsoft.com/office/powerpoint/2015/main" val="1"/>
-              </p:ext>
-            </p:extLst>
-          </p:nvPr>
-        </p:nvSpPr>
-        <p:spPr>
-          <a:xfrm flipH="1">
-            <a:off x="2" y="0"/>
-            <a:ext cx="12191998" cy="1575955"/>
-          </a:xfrm>
-          <a:prstGeom prst="rect">
-            <a:avLst/>
-          </a:prstGeom>
-          <a:gradFill>
-            <a:gsLst>
-              <a:gs pos="0">
-                <a:srgbClr val="000000">
-                  <a:alpha val="96000"/>
-                </a:srgbClr>
-              </a:gs>
-              <a:gs pos="100000">
-                <a:schemeClr val="accent1">
-                  <a:lumMod val="75000"/>
-                </a:schemeClr>
-              </a:gs>
-            </a:gsLst>
-            <a:lin ang="8400000" scaled="0"/>
-          </a:gradFill>
           <a:ln>
             <a:noFill/>
           </a:ln>
@@ -36948,12 +36879,57 @@
           </a:p>
         </p:txBody>
       </p:sp>
+      <p:pic>
+        <p:nvPicPr>
+          <p:cNvPr id="1026" name="Picture 2" descr="As A Leader, Are You Asking The Right Questions?">
+            <a:extLst>
+              <a:ext uri="{FF2B5EF4-FFF2-40B4-BE49-F238E27FC236}">
+                <a16:creationId xmlns:a16="http://schemas.microsoft.com/office/drawing/2014/main" id="{B5F1955F-44E3-3CDA-9921-1FABF37B0037}"/>
+              </a:ext>
+            </a:extLst>
+          </p:cNvPr>
+          <p:cNvPicPr>
+            <a:picLocks noChangeAspect="1" noChangeArrowheads="1"/>
+          </p:cNvPicPr>
+          <p:nvPr/>
+        </p:nvPicPr>
+        <p:blipFill rotWithShape="1">
+          <a:blip r:embed="rId2">
+            <a:extLst>
+              <a:ext uri="{28A0092B-C50C-407E-A947-70E740481C1C}">
+                <a14:useLocalDpi xmlns:a14="http://schemas.microsoft.com/office/drawing/2010/main" val="0"/>
+              </a:ext>
+            </a:extLst>
+          </a:blip>
+          <a:srcRect l="8729" r="9347" b="2169"/>
+          <a:stretch/>
+        </p:blipFill>
+        <p:spPr bwMode="auto">
+          <a:xfrm>
+            <a:off x="3523488" y="10"/>
+            <a:ext cx="8668512" cy="6857990"/>
+          </a:xfrm>
+          <a:prstGeom prst="rect">
+            <a:avLst/>
+          </a:prstGeom>
+          <a:noFill/>
+          <a:extLst>
+            <a:ext uri="{909E8E84-426E-40DD-AFC4-6F175D3DCCD1}">
+              <a14:hiddenFill xmlns:a14="http://schemas.microsoft.com/office/drawing/2010/main">
+                <a:solidFill>
+                  <a:srgbClr val="FFFFFF"/>
+                </a:solidFill>
+              </a14:hiddenFill>
+            </a:ext>
+          </a:extLst>
+        </p:spPr>
+      </p:pic>
       <p:sp>
         <p:nvSpPr>
-          <p:cNvPr id="24" name="Rectangle 23">
+          <p:cNvPr id="1033" name="Rectangle 1032">
             <a:extLst>
               <a:ext uri="{FF2B5EF4-FFF2-40B4-BE49-F238E27FC236}">
-                <a16:creationId xmlns:a16="http://schemas.microsoft.com/office/drawing/2014/main" id="{AAD0DBB9-1A4B-4391-81D4-CB19F9AB918A}"/>
+                <a16:creationId xmlns:a16="http://schemas.microsoft.com/office/drawing/2014/main" id="{AB58EF07-17C2-48CF-ABB0-EEF1F17CB8F0}"/>
               </a:ext>
               <a:ext uri="{C183D7F6-B498-43B3-948B-1728B52AA6E4}">
                 <adec:decorative xmlns:adec="http://schemas.microsoft.com/office/drawing/2017/decorative" val="1"/>
@@ -36972,103 +36948,33 @@
           </p:nvPr>
         </p:nvSpPr>
         <p:spPr>
-          <a:xfrm rot="10800000" flipH="1">
-            <a:off x="8128857" y="0"/>
-            <a:ext cx="4063143" cy="1576412"/>
+          <a:xfrm>
+            <a:off x="3" y="0"/>
+            <a:ext cx="9339206" cy="6858000"/>
           </a:xfrm>
           <a:prstGeom prst="rect">
             <a:avLst/>
           </a:prstGeom>
           <a:gradFill>
             <a:gsLst>
-              <a:gs pos="19000">
-                <a:schemeClr val="accent1">
-                  <a:lumMod val="50000"/>
-                  <a:alpha val="68000"/>
+              <a:gs pos="58000">
+                <a:schemeClr val="bg1"/>
+              </a:gs>
+              <a:gs pos="33000">
+                <a:schemeClr val="bg1">
+                  <a:alpha val="64000"/>
+                </a:schemeClr>
+              </a:gs>
+              <a:gs pos="0">
+                <a:schemeClr val="bg1">
+                  <a:alpha val="0"/>
                 </a:schemeClr>
               </a:gs>
               <a:gs pos="100000">
-                <a:schemeClr val="accent1">
-                  <a:alpha val="79000"/>
-                </a:schemeClr>
+                <a:schemeClr val="bg1"/>
               </a:gs>
             </a:gsLst>
-            <a:lin ang="19200000" scaled="0"/>
-          </a:gradFill>
-          <a:ln>
-            <a:noFill/>
-          </a:ln>
-        </p:spPr>
-        <p:style>
-          <a:lnRef idx="2">
-            <a:schemeClr val="accent1">
-              <a:shade val="50000"/>
-            </a:schemeClr>
-          </a:lnRef>
-          <a:fillRef idx="1">
-            <a:schemeClr val="accent1"/>
-          </a:fillRef>
-          <a:effectRef idx="0">
-            <a:schemeClr val="accent1"/>
-          </a:effectRef>
-          <a:fontRef idx="minor">
-            <a:schemeClr val="lt1"/>
-          </a:fontRef>
-        </p:style>
-        <p:txBody>
-          <a:bodyPr rtlCol="0" anchor="ctr"/>
-          <a:lstStyle/>
-          <a:p>
-            <a:pPr algn="ctr"/>
-            <a:endParaRPr lang="en-US"/>
-          </a:p>
-        </p:txBody>
-      </p:sp>
-      <p:sp>
-        <p:nvSpPr>
-          <p:cNvPr id="26" name="Rectangle 25">
-            <a:extLst>
-              <a:ext uri="{FF2B5EF4-FFF2-40B4-BE49-F238E27FC236}">
-                <a16:creationId xmlns:a16="http://schemas.microsoft.com/office/drawing/2014/main" id="{063BBA22-50EA-4C4D-BE05-F1CE4E63AA56}"/>
-              </a:ext>
-              <a:ext uri="{C183D7F6-B498-43B3-948B-1728B52AA6E4}">
-                <adec:decorative xmlns:adec="http://schemas.microsoft.com/office/drawing/2017/decorative" val="1"/>
-              </a:ext>
-            </a:extLst>
-          </p:cNvPr>
-          <p:cNvSpPr>
-            <a:spLocks noGrp="1" noRot="1" noChangeAspect="1" noMove="1" noResize="1" noEditPoints="1" noAdjustHandles="1" noChangeArrowheads="1" noChangeShapeType="1" noTextEdit="1"/>
-          </p:cNvSpPr>
-          <p:nvPr>
-            <p:extLst>
-              <p:ext uri="{386F3935-93C4-4BCD-93E2-E3B085C9AB24}">
-                <p16:designElem xmlns:p16="http://schemas.microsoft.com/office/powerpoint/2015/main" val="1"/>
-              </p:ext>
-            </p:extLst>
-          </p:nvPr>
-        </p:nvSpPr>
-        <p:spPr>
-          <a:xfrm rot="5400000">
-            <a:off x="5307777" y="-5307778"/>
-            <a:ext cx="1576446" cy="12192002"/>
-          </a:xfrm>
-          <a:prstGeom prst="rect">
-            <a:avLst/>
-          </a:prstGeom>
-          <a:gradFill>
-            <a:gsLst>
-              <a:gs pos="23000">
-                <a:schemeClr val="accent1">
-                  <a:alpha val="0"/>
-                </a:schemeClr>
-              </a:gs>
-              <a:gs pos="99000">
-                <a:srgbClr val="000000">
-                  <a:alpha val="74000"/>
-                </a:srgbClr>
-              </a:gs>
-            </a:gsLst>
-            <a:lin ang="20400000" scaled="0"/>
+            <a:lin ang="10800000" scaled="0"/>
           </a:gradFill>
           <a:ln>
             <a:noFill/>
@@ -37104,7 +37010,7 @@
           <p:cNvPr id="2" name="Title 1">
             <a:extLst>
               <a:ext uri="{FF2B5EF4-FFF2-40B4-BE49-F238E27FC236}">
-                <a16:creationId xmlns:a16="http://schemas.microsoft.com/office/drawing/2014/main" id="{161D9940-C61D-1B11-368C-3CAE5F0109F7}"/>
+                <a16:creationId xmlns:a16="http://schemas.microsoft.com/office/drawing/2014/main" id="{34D575C8-DBEA-CB94-63B6-6C8FF9BD2F40}"/>
               </a:ext>
             </a:extLst>
           </p:cNvPr>
@@ -37117,62 +37023,379 @@
         </p:nvSpPr>
         <p:spPr>
           <a:xfrm>
-            <a:off x="1371597" y="348865"/>
-            <a:ext cx="10044023" cy="877729"/>
+            <a:off x="477981" y="1122363"/>
+            <a:ext cx="4023360" cy="3204134"/>
           </a:xfrm>
         </p:spPr>
         <p:txBody>
-          <a:bodyPr anchor="ctr">
+          <a:bodyPr vert="horz" lIns="91440" tIns="45720" rIns="91440" bIns="45720" rtlCol="0" anchor="b">
             <a:normAutofit/>
           </a:bodyPr>
           <a:lstStyle/>
           <a:p>
             <a:r>
-              <a:rPr lang="en-IN" sz="4000" dirty="0">
-                <a:solidFill>
-                  <a:srgbClr val="FFFFFF"/>
-                </a:solidFill>
-              </a:rPr>
-              <a:t>Helm Deployment</a:t>
+              <a:rPr lang="en-US" sz="4800" dirty="0"/>
+              <a:t>Questions ?</a:t>
             </a:r>
           </a:p>
         </p:txBody>
       </p:sp>
       <p:sp>
         <p:nvSpPr>
-          <p:cNvPr id="4" name="Content Placeholder 3">
+          <p:cNvPr id="1035" name="Rectangle 1034">
             <a:extLst>
               <a:ext uri="{FF2B5EF4-FFF2-40B4-BE49-F238E27FC236}">
-                <a16:creationId xmlns:a16="http://schemas.microsoft.com/office/drawing/2014/main" id="{612EF9BE-010A-6F3F-A513-227D0AACB602}"/>
+                <a16:creationId xmlns:a16="http://schemas.microsoft.com/office/drawing/2014/main" id="{AF2F604E-43BE-4DC3-B983-E071523364F8}"/>
+              </a:ext>
+              <a:ext uri="{C183D7F6-B498-43B3-948B-1728B52AA6E4}">
+                <adec:decorative xmlns:adec="http://schemas.microsoft.com/office/drawing/2017/decorative" val="1"/>
               </a:ext>
             </a:extLst>
           </p:cNvPr>
           <p:cNvSpPr>
-            <a:spLocks noGrp="1"/>
+            <a:spLocks noGrp="1" noRot="1" noChangeAspect="1" noMove="1" noResize="1" noEditPoints="1" noAdjustHandles="1" noChangeArrowheads="1" noChangeShapeType="1" noTextEdit="1"/>
           </p:cNvSpPr>
           <p:nvPr>
-            <p:ph idx="1"/>
+            <p:extLst>
+              <p:ext uri="{386F3935-93C4-4BCD-93E2-E3B085C9AB24}">
+                <p16:designElem xmlns:p16="http://schemas.microsoft.com/office/powerpoint/2015/main" val="1"/>
+              </p:ext>
+            </p:extLst>
           </p:nvPr>
         </p:nvSpPr>
-        <p:spPr/>
+        <p:spPr>
+          <a:xfrm rot="5400000">
+            <a:off x="759921" y="346791"/>
+            <a:ext cx="146304" cy="704088"/>
+          </a:xfrm>
+          <a:prstGeom prst="rect">
+            <a:avLst/>
+          </a:prstGeom>
+          <a:solidFill>
+            <a:schemeClr val="accent2"/>
+          </a:solidFill>
+          <a:ln>
+            <a:noFill/>
+          </a:ln>
+        </p:spPr>
+        <p:style>
+          <a:lnRef idx="2">
+            <a:schemeClr val="accent1">
+              <a:shade val="50000"/>
+            </a:schemeClr>
+          </a:lnRef>
+          <a:fillRef idx="1">
+            <a:schemeClr val="accent1"/>
+          </a:fillRef>
+          <a:effectRef idx="0">
+            <a:schemeClr val="accent1"/>
+          </a:effectRef>
+          <a:fontRef idx="minor">
+            <a:schemeClr val="lt1"/>
+          </a:fontRef>
+        </p:style>
         <p:txBody>
-          <a:bodyPr/>
+          <a:bodyPr rtlCol="0" anchor="ctr"/>
           <a:lstStyle/>
           <a:p>
-            <a:endParaRPr lang="en-IN"/>
+            <a:pPr algn="ctr"/>
+            <a:endParaRPr lang="en-US">
+              <a:solidFill>
+                <a:prstClr val="white"/>
+              </a:solidFill>
+              <a:latin typeface="Calibri" panose="020F0502020204030204"/>
+            </a:endParaRPr>
+          </a:p>
+        </p:txBody>
+      </p:sp>
+      <p:sp>
+        <p:nvSpPr>
+          <p:cNvPr id="1037" name="Rectangle 1036">
+            <a:extLst>
+              <a:ext uri="{FF2B5EF4-FFF2-40B4-BE49-F238E27FC236}">
+                <a16:creationId xmlns:a16="http://schemas.microsoft.com/office/drawing/2014/main" id="{08C9B587-E65E-4B52-B37C-ABEBB6E87928}"/>
+              </a:ext>
+              <a:ext uri="{C183D7F6-B498-43B3-948B-1728B52AA6E4}">
+                <adec:decorative xmlns:adec="http://schemas.microsoft.com/office/drawing/2017/decorative" val="1"/>
+              </a:ext>
+            </a:extLst>
+          </p:cNvPr>
+          <p:cNvSpPr>
+            <a:spLocks noGrp="1" noRot="1" noChangeAspect="1" noMove="1" noResize="1" noEditPoints="1" noAdjustHandles="1" noChangeArrowheads="1" noChangeShapeType="1" noTextEdit="1"/>
+          </p:cNvSpPr>
+          <p:nvPr>
+            <p:extLst>
+              <p:ext uri="{386F3935-93C4-4BCD-93E2-E3B085C9AB24}">
+                <p16:designElem xmlns:p16="http://schemas.microsoft.com/office/powerpoint/2015/main" val="1"/>
+              </p:ext>
+            </p:extLst>
+          </p:nvPr>
+        </p:nvSpPr>
+        <p:spPr>
+          <a:xfrm>
+            <a:off x="481029" y="4546920"/>
+            <a:ext cx="3977640" cy="18288"/>
+          </a:xfrm>
+          <a:prstGeom prst="rect">
+            <a:avLst/>
+          </a:prstGeom>
+          <a:solidFill>
+            <a:schemeClr val="tx1"/>
+          </a:solidFill>
+          <a:ln w="3175">
+            <a:noFill/>
+          </a:ln>
+          <a:effectLst/>
+        </p:spPr>
+        <p:style>
+          <a:lnRef idx="2">
+            <a:schemeClr val="accent1">
+              <a:shade val="50000"/>
+            </a:schemeClr>
+          </a:lnRef>
+          <a:fillRef idx="1">
+            <a:schemeClr val="accent1"/>
+          </a:fillRef>
+          <a:effectRef idx="0">
+            <a:schemeClr val="accent1"/>
+          </a:effectRef>
+          <a:fontRef idx="minor">
+            <a:schemeClr val="lt1"/>
+          </a:fontRef>
+        </p:style>
+        <p:txBody>
+          <a:bodyPr rtlCol="0" anchor="ctr"/>
+          <a:lstStyle/>
+          <a:p>
+            <a:pPr marL="0" marR="0" lvl="0" indent="0" algn="ctr" defTabSz="914400" rtl="0" eaLnBrk="1" fontAlgn="auto" latinLnBrk="0" hangingPunct="1">
+              <a:lnSpc>
+                <a:spcPct val="100000"/>
+              </a:lnSpc>
+              <a:spcBef>
+                <a:spcPts val="0"/>
+              </a:spcBef>
+              <a:spcAft>
+                <a:spcPts val="0"/>
+              </a:spcAft>
+              <a:buClrTx/>
+              <a:buSzTx/>
+              <a:buFontTx/>
+              <a:buNone/>
+              <a:tabLst/>
+              <a:defRPr/>
+            </a:pPr>
+            <a:endParaRPr kumimoji="0" lang="en-US" sz="1800" b="0" i="0" u="none" strike="noStrike" kern="1200" cap="none" spc="0" normalizeH="0" baseline="0" noProof="0">
+              <a:ln>
+                <a:noFill/>
+              </a:ln>
+              <a:solidFill>
+                <a:prstClr val="white"/>
+              </a:solidFill>
+              <a:effectLst/>
+              <a:uLnTx/>
+              <a:uFillTx/>
+              <a:latin typeface="Calibri" panose="020F0502020204030204"/>
+              <a:ea typeface="+mn-ea"/>
+              <a:cs typeface="+mn-cs"/>
+            </a:endParaRPr>
+          </a:p>
+        </p:txBody>
+      </p:sp>
+      <p:sp>
+        <p:nvSpPr>
+          <p:cNvPr id="4" name="Title 1">
+            <a:extLst>
+              <a:ext uri="{FF2B5EF4-FFF2-40B4-BE49-F238E27FC236}">
+                <a16:creationId xmlns:a16="http://schemas.microsoft.com/office/drawing/2014/main" id="{9B783BF2-49C4-7227-A0D1-3DEDD285830E}"/>
+              </a:ext>
+            </a:extLst>
+          </p:cNvPr>
+          <p:cNvSpPr txBox="1">
+            <a:spLocks/>
+          </p:cNvSpPr>
+          <p:nvPr/>
+        </p:nvSpPr>
+        <p:spPr>
+          <a:xfrm>
+            <a:off x="8358308" y="3712055"/>
+            <a:ext cx="4023360" cy="3204134"/>
+          </a:xfrm>
+          <a:prstGeom prst="rect">
+            <a:avLst/>
+          </a:prstGeom>
+        </p:spPr>
+        <p:txBody>
+          <a:bodyPr vert="horz" lIns="91440" tIns="45720" rIns="91440" bIns="45720" rtlCol="0" anchor="b">
+            <a:normAutofit/>
+          </a:bodyPr>
+          <a:lstStyle>
+            <a:lvl1pPr algn="l" defTabSz="914400" rtl="0" eaLnBrk="1" latinLnBrk="0" hangingPunct="1">
+              <a:lnSpc>
+                <a:spcPct val="90000"/>
+              </a:lnSpc>
+              <a:spcBef>
+                <a:spcPct val="0"/>
+              </a:spcBef>
+              <a:buNone/>
+              <a:defRPr sz="4400" kern="1200">
+                <a:solidFill>
+                  <a:schemeClr val="tx1"/>
+                </a:solidFill>
+                <a:latin typeface="+mj-lt"/>
+                <a:ea typeface="+mj-ea"/>
+                <a:cs typeface="+mj-cs"/>
+              </a:defRPr>
+            </a:lvl1pPr>
+          </a:lstStyle>
+          <a:p>
+            <a:r>
+              <a:rPr lang="en-US" sz="4800" dirty="0"/>
+              <a:t>Thank You!!</a:t>
+            </a:r>
           </a:p>
         </p:txBody>
       </p:sp>
     </p:spTree>
     <p:extLst>
       <p:ext uri="{BB962C8B-B14F-4D97-AF65-F5344CB8AC3E}">
-        <p14:creationId xmlns:p14="http://schemas.microsoft.com/office/powerpoint/2010/main" val="1188890463"/>
+        <p14:creationId xmlns:p14="http://schemas.microsoft.com/office/powerpoint/2010/main" val="4225005979"/>
       </p:ext>
     </p:extLst>
   </p:cSld>
   <p:clrMapOvr>
-    <a:masterClrMapping/>
+    <a:overrideClrMapping bg1="dk1" tx1="lt1" bg2="dk2" tx2="lt2" accent1="accent1" accent2="accent2" accent3="accent3" accent4="accent4" accent5="accent5" accent6="accent6" hlink="hlink" folHlink="folHlink"/>
   </p:clrMapOvr>
+  <p:timing>
+    <p:tnLst>
+      <p:par>
+        <p:cTn id="1" dur="indefinite" restart="never" nodeType="tmRoot">
+          <p:childTnLst>
+            <p:seq concurrent="1" nextAc="seek">
+              <p:cTn id="2" dur="indefinite" nodeType="mainSeq">
+                <p:childTnLst>
+                  <p:par>
+                    <p:cTn id="3" fill="hold">
+                      <p:stCondLst>
+                        <p:cond delay="indefinite"/>
+                        <p:cond evt="onBegin" delay="0">
+                          <p:tn val="2"/>
+                        </p:cond>
+                      </p:stCondLst>
+                      <p:childTnLst>
+                        <p:par>
+                          <p:cTn id="4" fill="hold">
+                            <p:stCondLst>
+                              <p:cond delay="0"/>
+                            </p:stCondLst>
+                            <p:childTnLst>
+                              <p:par>
+                                <p:cTn id="5" presetID="10" presetClass="entr" presetSubtype="0" fill="hold" grpId="0" nodeType="withEffect">
+                                  <p:stCondLst>
+                                    <p:cond delay="1000"/>
+                                  </p:stCondLst>
+                                  <p:iterate>
+                                    <p:tmPct val="10000"/>
+                                  </p:iterate>
+                                  <p:childTnLst>
+                                    <p:set>
+                                      <p:cBhvr>
+                                        <p:cTn id="6" dur="1" fill="hold">
+                                          <p:stCondLst>
+                                            <p:cond delay="0"/>
+                                          </p:stCondLst>
+                                        </p:cTn>
+                                        <p:tgtEl>
+                                          <p:spTgt spid="2"/>
+                                        </p:tgtEl>
+                                        <p:attrNameLst>
+                                          <p:attrName>style.visibility</p:attrName>
+                                        </p:attrNameLst>
+                                      </p:cBhvr>
+                                      <p:to>
+                                        <p:strVal val="visible"/>
+                                      </p:to>
+                                    </p:set>
+                                    <p:animEffect transition="in" filter="fade">
+                                      <p:cBhvr>
+                                        <p:cTn id="7" dur="700"/>
+                                        <p:tgtEl>
+                                          <p:spTgt spid="2"/>
+                                        </p:tgtEl>
+                                      </p:cBhvr>
+                                    </p:animEffect>
+                                  </p:childTnLst>
+                                </p:cTn>
+                              </p:par>
+                              <p:par>
+                                <p:cTn id="8" presetID="10" presetClass="entr" presetSubtype="0" fill="hold" grpId="0" nodeType="withEffect">
+                                  <p:stCondLst>
+                                    <p:cond delay="1000"/>
+                                  </p:stCondLst>
+                                  <p:iterate>
+                                    <p:tmPct val="10000"/>
+                                  </p:iterate>
+                                  <p:childTnLst>
+                                    <p:set>
+                                      <p:cBhvr>
+                                        <p:cTn id="9" dur="1" fill="hold">
+                                          <p:stCondLst>
+                                            <p:cond delay="0"/>
+                                          </p:stCondLst>
+                                        </p:cTn>
+                                        <p:tgtEl>
+                                          <p:spTgt spid="4"/>
+                                        </p:tgtEl>
+                                        <p:attrNameLst>
+                                          <p:attrName>style.visibility</p:attrName>
+                                        </p:attrNameLst>
+                                      </p:cBhvr>
+                                      <p:to>
+                                        <p:strVal val="visible"/>
+                                      </p:to>
+                                    </p:set>
+                                    <p:animEffect transition="in" filter="fade">
+                                      <p:cBhvr>
+                                        <p:cTn id="10" dur="700"/>
+                                        <p:tgtEl>
+                                          <p:spTgt spid="4"/>
+                                        </p:tgtEl>
+                                      </p:cBhvr>
+                                    </p:animEffect>
+                                  </p:childTnLst>
+                                </p:cTn>
+                              </p:par>
+                            </p:childTnLst>
+                          </p:cTn>
+                        </p:par>
+                      </p:childTnLst>
+                    </p:cTn>
+                  </p:par>
+                </p:childTnLst>
+              </p:cTn>
+              <p:prevCondLst>
+                <p:cond evt="onPrev" delay="0">
+                  <p:tgtEl>
+                    <p:sldTgt/>
+                  </p:tgtEl>
+                </p:cond>
+              </p:prevCondLst>
+              <p:nextCondLst>
+                <p:cond evt="onNext" delay="0">
+                  <p:tgtEl>
+                    <p:sldTgt/>
+                  </p:tgtEl>
+                </p:cond>
+              </p:nextCondLst>
+            </p:seq>
+          </p:childTnLst>
+        </p:cTn>
+      </p:par>
+    </p:tnLst>
+    <p:bldLst>
+      <p:bldP spid="2" grpId="0"/>
+      <p:bldP spid="4" grpId="0"/>
+    </p:bldLst>
+  </p:timing>
 </p:sld>
 </file>
 
@@ -37968,16 +38191,6 @@
             <a:r>
               <a:rPr lang="en-IN" sz="2000" dirty="0"/>
               <a:t>AKS and Azure Active Directory</a:t>
-            </a:r>
-          </a:p>
-          <a:p>
-            <a:pPr marL="457200" indent="-457200">
-              <a:buFont typeface="+mj-lt"/>
-              <a:buAutoNum type="arabicPeriod"/>
-            </a:pPr>
-            <a:r>
-              <a:rPr lang="en-IN" sz="2000" dirty="0"/>
-              <a:t>AKS Scaling</a:t>
             </a:r>
           </a:p>
         </p:txBody>
@@ -39253,21 +39466,8 @@
                 <a:ea typeface="+mj-ea"/>
                 <a:cs typeface="+mj-cs"/>
               </a:rPr>
-              <a:t>Walkthrough in AKS using CLI </a:t>
+              <a:t>Walkthrough in AKS using CLI and UI (LENS)</a:t>
             </a:r>
-            <a:r>
-              <a:rPr lang="en-US" sz="2800" b="1">
-                <a:latin typeface="Calibr"/>
-                <a:ea typeface="+mj-ea"/>
-                <a:cs typeface="+mj-cs"/>
-              </a:rPr>
-              <a:t>and UI (LENS)</a:t>
-            </a:r>
-            <a:endParaRPr lang="en-US" sz="2800" b="1" dirty="0">
-              <a:latin typeface="Calibr"/>
-              <a:ea typeface="+mj-ea"/>
-              <a:cs typeface="+mj-cs"/>
-            </a:endParaRPr>
           </a:p>
         </p:txBody>
       </p:sp>
@@ -40672,7 +40872,7 @@
                 <a:ea typeface="+mj-ea"/>
                 <a:cs typeface="+mj-cs"/>
               </a:rPr>
-              <a:t>Working of AKS</a:t>
+              <a:t>AKS</a:t>
             </a:r>
             <a:r>
               <a:rPr lang="en-US" sz="4000" kern="1200" dirty="0">
